--- a/12_Node.js/notes/Node.js교과서 4장 .pptx
+++ b/12_Node.js/notes/Node.js교과서 4장 .pptx
@@ -407,7 +407,7 @@
           <a:p>
             <a:fld id="{CD6B0E63-BBCE-42FA-B3A6-5FD535041784}" type="datetimeFigureOut">
               <a:rPr lang="ko-KR" altLang="en-US" smtClean="0"/>
-              <a:t>2022-12-16</a:t>
+              <a:t>2023-11-23</a:t>
             </a:fld>
             <a:endParaRPr lang="ko-KR" altLang="en-US"/>
           </a:p>
@@ -572,7 +572,7 @@
           <a:p>
             <a:fld id="{F7D56D40-764E-476E-B5E6-4049846BDF68}" type="datetimeFigureOut">
               <a:rPr lang="en-US" smtClean="0"/>
-              <a:t>12/16/2022</a:t>
+              <a:t>11/23/2023</a:t>
             </a:fld>
             <a:endParaRPr lang="en-US"/>
           </a:p>
@@ -1145,7 +1145,7 @@
               <a:pPr>
                 <a:defRPr/>
               </a:pPr>
-              <a:t>12/16/2022</a:t>
+              <a:t>11/23/2023</a:t>
             </a:fld>
             <a:endParaRPr lang="en-US"/>
           </a:p>
@@ -1692,7 +1692,7 @@
               <a:pPr>
                 <a:defRPr/>
               </a:pPr>
-              <a:t>12/16/2022</a:t>
+              <a:t>11/23/2023</a:t>
             </a:fld>
             <a:endParaRPr lang="en-US"/>
           </a:p>
@@ -2007,7 +2007,7 @@
               <a:pPr>
                 <a:defRPr/>
               </a:pPr>
-              <a:t>12/16/2022</a:t>
+              <a:t>11/23/2023</a:t>
             </a:fld>
             <a:endParaRPr lang="en-US"/>
           </a:p>
@@ -2156,7 +2156,7 @@
             <a:fld id="{7E81C33E-41CC-7144-9EE9-6BB47BFC27EB}" type="datetime1">
               <a:rPr lang="en-US" smtClean="0"/>
               <a:pPr/>
-              <a:t>12/16/2022</a:t>
+              <a:t>11/23/2023</a:t>
             </a:fld>
             <a:endParaRPr lang="en-US"/>
           </a:p>
@@ -2756,7 +2756,7 @@
             <a:fld id="{51BEBC88-5945-6548-81AC-D1E801230918}" type="datetime1">
               <a:rPr lang="en-US" smtClean="0"/>
               <a:pPr/>
-              <a:t>12/16/2022</a:t>
+              <a:t>11/23/2023</a:t>
             </a:fld>
             <a:endParaRPr lang="en-US"/>
           </a:p>
@@ -2973,7 +2973,7 @@
             <a:fld id="{6917FCC0-BCF1-7F40-94F0-C8B3ACD33893}" type="datetime1">
               <a:rPr lang="en-US" smtClean="0"/>
               <a:pPr/>
-              <a:t>12/16/2022</a:t>
+              <a:t>11/23/2023</a:t>
             </a:fld>
             <a:endParaRPr lang="en-US"/>
           </a:p>
@@ -3094,7 +3094,7 @@
             <a:fld id="{08CA98B9-3ABE-A242-9F6B-DA9BAB124A35}" type="datetime1">
               <a:rPr lang="en-US" smtClean="0"/>
               <a:pPr/>
-              <a:t>12/16/2022</a:t>
+              <a:t>11/23/2023</a:t>
             </a:fld>
             <a:endParaRPr lang="en-US"/>
           </a:p>
@@ -3948,7 +3948,7 @@
             <a:fld id="{51305156-B5F0-8F44-9B3B-B829BD25E71A}" type="datetime1">
               <a:rPr lang="en-US" smtClean="0"/>
               <a:pPr/>
-              <a:t>12/16/2022</a:t>
+              <a:t>11/23/2023</a:t>
             </a:fld>
             <a:endParaRPr lang="en-US"/>
           </a:p>
@@ -4114,7 +4114,7 @@
             <a:fld id="{2DAB5F46-2B7F-5B4D-AD94-C45166DC40CF}" type="datetime1">
               <a:rPr lang="en-US" smtClean="0"/>
               <a:pPr/>
-              <a:t>12/16/2022</a:t>
+              <a:t>11/23/2023</a:t>
             </a:fld>
             <a:endParaRPr lang="en-US"/>
           </a:p>
@@ -4366,7 +4366,7 @@
             <a:fld id="{6E7C3E9F-FCDE-664F-9336-1ABBAA0EA927}" type="datetime1">
               <a:rPr lang="en-US" smtClean="0"/>
               <a:pPr/>
-              <a:t>12/16/2022</a:t>
+              <a:t>11/23/2023</a:t>
             </a:fld>
             <a:endParaRPr lang="en-US"/>
           </a:p>
@@ -4605,7 +4605,7 @@
             <a:fld id="{82E32219-5F3D-7F43-849E-768B69F61FFB}" type="datetime1">
               <a:rPr lang="en-US" smtClean="0"/>
               <a:pPr/>
-              <a:t>12/16/2022</a:t>
+              <a:t>11/23/2023</a:t>
             </a:fld>
             <a:endParaRPr lang="en-US"/>
           </a:p>
@@ -4990,7 +4990,7 @@
             <a:fld id="{704DA2EC-FE51-234C-8874-87F532D5C722}" type="datetime1">
               <a:rPr lang="en-US" smtClean="0"/>
               <a:pPr/>
-              <a:t>12/16/2022</a:t>
+              <a:t>11/23/2023</a:t>
             </a:fld>
             <a:endParaRPr lang="en-US"/>
           </a:p>
@@ -5244,7 +5244,7 @@
             <a:fld id="{2036BB0B-C07A-EF4C-ADBF-B404E3B41965}" type="datetime1">
               <a:rPr lang="en-US" smtClean="0"/>
               <a:pPr/>
-              <a:t>12/16/2022</a:t>
+              <a:t>11/23/2023</a:t>
             </a:fld>
             <a:endParaRPr lang="en-US"/>
           </a:p>
@@ -5414,7 +5414,7 @@
             <a:fld id="{8600531E-1DA2-B34A-93A6-C570B815175C}" type="datetime1">
               <a:rPr lang="en-US" smtClean="0"/>
               <a:pPr/>
-              <a:t>12/16/2022</a:t>
+              <a:t>11/23/2023</a:t>
             </a:fld>
             <a:endParaRPr lang="en-US"/>
           </a:p>
@@ -5594,7 +5594,7 @@
             <a:fld id="{932E4664-5CFD-1A4D-9B41-76CFD729FE90}" type="datetime1">
               <a:rPr lang="en-US" smtClean="0"/>
               <a:pPr/>
-              <a:t>12/16/2022</a:t>
+              <a:t>11/23/2023</a:t>
             </a:fld>
             <a:endParaRPr lang="en-US"/>
           </a:p>
@@ -6069,7 +6069,7 @@
             <a:fld id="{82E32219-5F3D-7F43-849E-768B69F61FFB}" type="datetime1">
               <a:rPr lang="en-US" smtClean="0"/>
               <a:pPr/>
-              <a:t>12/16/2022</a:t>
+              <a:t>11/23/2023</a:t>
             </a:fld>
             <a:endParaRPr lang="en-US"/>
           </a:p>
@@ -6295,7 +6295,7 @@
                 </a:solidFill>
               </a:rPr>
               <a:pPr/>
-              <a:t>12/16/2022</a:t>
+              <a:t>11/23/2023</a:t>
             </a:fld>
             <a:endParaRPr lang="en-US">
               <a:solidFill>
@@ -6921,7 +6921,7 @@
                 </a:solidFill>
               </a:rPr>
               <a:pPr/>
-              <a:t>12/16/2022</a:t>
+              <a:t>11/23/2023</a:t>
             </a:fld>
             <a:endParaRPr lang="en-US">
               <a:solidFill>
@@ -7444,7 +7444,7 @@
                 </a:solidFill>
               </a:rPr>
               <a:pPr/>
-              <a:t>12/16/2022</a:t>
+              <a:t>11/23/2023</a:t>
             </a:fld>
             <a:endParaRPr lang="en-US">
               <a:solidFill>
@@ -7754,7 +7754,7 @@
               <a:pPr>
                 <a:defRPr/>
               </a:pPr>
-              <a:t>12/16/2022</a:t>
+              <a:t>11/23/2023</a:t>
             </a:fld>
             <a:endParaRPr lang="en-US">
               <a:solidFill>
@@ -8072,7 +8072,7 @@
               <a:pPr>
                 <a:defRPr/>
               </a:pPr>
-              <a:t>12/16/2022</a:t>
+              <a:t>11/23/2023</a:t>
             </a:fld>
             <a:endParaRPr lang="en-US">
               <a:solidFill>
@@ -8663,7 +8663,7 @@
               <a:pPr>
                 <a:defRPr/>
               </a:pPr>
-              <a:t>12/16/2022</a:t>
+              <a:t>11/23/2023</a:t>
             </a:fld>
             <a:endParaRPr lang="en-US">
               <a:solidFill>
@@ -9022,7 +9022,7 @@
               <a:pPr>
                 <a:defRPr/>
               </a:pPr>
-              <a:t>12/16/2022</a:t>
+              <a:t>11/23/2023</a:t>
             </a:fld>
             <a:endParaRPr lang="en-US">
               <a:solidFill>
@@ -9210,7 +9210,7 @@
                 </a:solidFill>
               </a:rPr>
               <a:pPr/>
-              <a:t>12/16/2022</a:t>
+              <a:t>11/23/2023</a:t>
             </a:fld>
             <a:endParaRPr lang="en-US">
               <a:solidFill>
@@ -9844,7 +9844,7 @@
                 </a:solidFill>
               </a:rPr>
               <a:pPr/>
-              <a:t>12/16/2022</a:t>
+              <a:t>11/23/2023</a:t>
             </a:fld>
             <a:endParaRPr lang="en-US">
               <a:solidFill>
@@ -10084,7 +10084,7 @@
             <a:fld id="{64862BFA-C828-2446-9B72-82AD7C7C4D28}" type="datetime1">
               <a:rPr lang="en-US" smtClean="0"/>
               <a:pPr/>
-              <a:t>12/16/2022</a:t>
+              <a:t>11/23/2023</a:t>
             </a:fld>
             <a:endParaRPr lang="en-US"/>
           </a:p>
@@ -10313,7 +10313,7 @@
                 </a:solidFill>
               </a:rPr>
               <a:pPr/>
-              <a:t>12/16/2022</a:t>
+              <a:t>11/23/2023</a:t>
             </a:fld>
             <a:endParaRPr lang="en-US">
               <a:solidFill>
@@ -10478,7 +10478,7 @@
                 </a:solidFill>
               </a:rPr>
               <a:pPr/>
-              <a:t>12/16/2022</a:t>
+              <a:t>11/23/2023</a:t>
             </a:fld>
             <a:endParaRPr lang="en-US">
               <a:solidFill>
@@ -11376,7 +11376,7 @@
                 </a:solidFill>
               </a:rPr>
               <a:pPr/>
-              <a:t>12/16/2022</a:t>
+              <a:t>11/23/2023</a:t>
             </a:fld>
             <a:endParaRPr lang="en-US">
               <a:solidFill>
@@ -11586,7 +11586,7 @@
                 </a:solidFill>
               </a:rPr>
               <a:pPr/>
-              <a:t>12/16/2022</a:t>
+              <a:t>11/23/2023</a:t>
             </a:fld>
             <a:endParaRPr lang="en-US">
               <a:solidFill>
@@ -11877,7 +11877,7 @@
                 </a:solidFill>
               </a:rPr>
               <a:pPr/>
-              <a:t>12/16/2022</a:t>
+              <a:t>11/23/2023</a:t>
             </a:fld>
             <a:endParaRPr lang="en-US">
               <a:solidFill>
@@ -12408,7 +12408,7 @@
                 </a:solidFill>
               </a:rPr>
               <a:pPr/>
-              <a:t>12/16/2022</a:t>
+              <a:t>11/23/2023</a:t>
             </a:fld>
             <a:endParaRPr lang="en-US">
               <a:solidFill>
@@ -12706,7 +12706,7 @@
                 </a:solidFill>
               </a:rPr>
               <a:pPr/>
-              <a:t>12/16/2022</a:t>
+              <a:t>11/23/2023</a:t>
             </a:fld>
             <a:endParaRPr lang="en-US">
               <a:solidFill>
@@ -12920,7 +12920,7 @@
                 </a:solidFill>
               </a:rPr>
               <a:pPr/>
-              <a:t>12/16/2022</a:t>
+              <a:t>11/23/2023</a:t>
             </a:fld>
             <a:endParaRPr lang="en-US">
               <a:solidFill>
@@ -13150,7 +13150,7 @@
             <a:fld id="{64862BFA-C828-2446-9B72-82AD7C7C4D28}" type="datetime1">
               <a:rPr lang="en-US" smtClean="0"/>
               <a:pPr/>
-              <a:t>12/16/2022</a:t>
+              <a:t>11/23/2023</a:t>
             </a:fld>
             <a:endParaRPr lang="en-US"/>
           </a:p>
@@ -13353,7 +13353,7 @@
                 </a:solidFill>
               </a:rPr>
               <a:pPr/>
-              <a:t>12/16/2022</a:t>
+              <a:t>11/23/2023</a:t>
             </a:fld>
             <a:endParaRPr lang="en-US">
               <a:solidFill>
@@ -13948,7 +13948,7 @@
             <a:fld id="{EF40C587-CD89-8C40-AE01-36B25C2FD636}" type="datetime1">
               <a:rPr lang="en-US" smtClean="0"/>
               <a:pPr/>
-              <a:t>12/16/2022</a:t>
+              <a:t>11/23/2023</a:t>
             </a:fld>
             <a:endParaRPr lang="en-US"/>
           </a:p>
@@ -14427,7 +14427,7 @@
             <a:fld id="{4234BB27-D512-944F-BD47-D639527B0043}" type="datetime1">
               <a:rPr lang="en-US" smtClean="0"/>
               <a:pPr/>
-              <a:t>12/16/2022</a:t>
+              <a:t>11/23/2023</a:t>
             </a:fld>
             <a:endParaRPr lang="en-US"/>
           </a:p>
@@ -14693,7 +14693,7 @@
               <a:pPr>
                 <a:defRPr/>
               </a:pPr>
-              <a:t>12/16/2022</a:t>
+              <a:t>11/23/2023</a:t>
             </a:fld>
             <a:endParaRPr lang="en-US"/>
           </a:p>
@@ -14929,7 +14929,7 @@
             <a:fld id="{64F5F5AC-42C6-7943-932B-3849F0E3EB5C}" type="datetime1">
               <a:rPr lang="en-US" smtClean="0"/>
               <a:pPr/>
-              <a:t>12/16/2022</a:t>
+              <a:t>11/23/2023</a:t>
             </a:fld>
             <a:endParaRPr lang="en-US"/>
           </a:p>
@@ -15843,7 +15843,7 @@
           <p:nvPr/>
         </p:nvPicPr>
         <p:blipFill>
-          <a:blip r:embed="rId2">
+          <a:blip r:embed="rId2" cstate="print">
             <a:extLst>
               <a:ext uri="{28A0092B-C50C-407E-A947-70E740481C1C}">
                 <a14:useLocalDpi xmlns:a14="http://schemas.microsoft.com/office/drawing/2010/main" val="0"/>
@@ -21082,18 +21082,32 @@
               <a:t>writeHead</a:t>
             </a:r>
             <a:r>
-              <a:rPr lang="en-US" altLang="ko-KR" dirty="0">
+              <a:rPr lang="en-US" altLang="ko-KR">
                 <a:latin typeface="KoPub돋움체_Pro Medium" panose="02020603020101020101" pitchFamily="18" charset="-127"/>
                 <a:ea typeface="KoPub돋움체_Pro Medium" panose="02020603020101020101" pitchFamily="18" charset="-127"/>
               </a:rPr>
               <a:t>: </a:t>
+            </a:r>
+            <a:r>
+              <a:rPr lang="ko-KR" altLang="en-US" smtClean="0">
+                <a:latin typeface="KoPub돋움체_Pro Medium" panose="02020603020101020101" pitchFamily="18" charset="-127"/>
+                <a:ea typeface="KoPub돋움체_Pro Medium" panose="02020603020101020101" pitchFamily="18" charset="-127"/>
+              </a:rPr>
+              <a:t>응답</a:t>
+            </a:r>
+            <a:r>
+              <a:rPr lang="ko-KR" altLang="en-US" smtClean="0">
+                <a:latin typeface="KoPub돋움체_Pro Medium" panose="02020603020101020101" pitchFamily="18" charset="-127"/>
+                <a:ea typeface="KoPub돋움체_Pro Medium" panose="02020603020101020101" pitchFamily="18" charset="-127"/>
+              </a:rPr>
+              <a:t> </a:t>
             </a:r>
             <a:r>
               <a:rPr lang="ko-KR" altLang="en-US" dirty="0">
                 <a:latin typeface="KoPub돋움체_Pro Medium" panose="02020603020101020101" pitchFamily="18" charset="-127"/>
                 <a:ea typeface="KoPub돋움체_Pro Medium" panose="02020603020101020101" pitchFamily="18" charset="-127"/>
               </a:rPr>
-              <a:t>요청 헤더에 입력하는 메서드</a:t>
+              <a:t>헤더에 입력하는 메서드</a:t>
             </a:r>
             <a:endParaRPr lang="en-US" altLang="ko-KR" dirty="0">
               <a:latin typeface="KoPub돋움체_Pro Medium" panose="02020603020101020101" pitchFamily="18" charset="-127"/>
